--- a/技术分享.pptx
+++ b/技术分享.pptx
@@ -5,10 +5,10 @@
     <p:sldMasterId id="2147483661" r:id="rId1"/>
   </p:sldMasterIdLst>
   <p:notesMasterIdLst>
-    <p:notesMasterId r:id="rId17"/>
+    <p:notesMasterId r:id="rId18"/>
   </p:notesMasterIdLst>
   <p:handoutMasterIdLst>
-    <p:handoutMasterId r:id="rId18"/>
+    <p:handoutMasterId r:id="rId19"/>
   </p:handoutMasterIdLst>
   <p:sldIdLst>
     <p:sldId id="266" r:id="rId2"/>
@@ -23,9 +23,10 @@
     <p:sldId id="277" r:id="rId11"/>
     <p:sldId id="279" r:id="rId12"/>
     <p:sldId id="278" r:id="rId13"/>
-    <p:sldId id="280" r:id="rId14"/>
-    <p:sldId id="281" r:id="rId15"/>
-    <p:sldId id="267" r:id="rId16"/>
+    <p:sldId id="282" r:id="rId14"/>
+    <p:sldId id="280" r:id="rId15"/>
+    <p:sldId id="281" r:id="rId16"/>
+    <p:sldId id="267" r:id="rId17"/>
   </p:sldIdLst>
   <p:sldSz cx="9144000" cy="6858000" type="screen4x3"/>
   <p:notesSz cx="6858000" cy="9144000"/>
@@ -217,7 +218,7 @@
           <a:p>
             <a:fld id="{0AF32E49-24B6-A34A-B291-B0891D984ACC}" type="datetimeFigureOut">
               <a:rPr kumimoji="1" lang="zh-CN" altLang="en-US" smtClean="0"/>
-              <a:t>2017/9/4</a:t>
+              <a:t>2017/9/5</a:t>
             </a:fld>
             <a:endParaRPr kumimoji="1" lang="zh-CN" altLang="en-US"/>
           </a:p>
@@ -382,7 +383,7 @@
           <a:p>
             <a:fld id="{BD737A92-24A0-BE4D-BE68-15A72F3D3979}" type="datetimeFigureOut">
               <a:rPr kumimoji="1" lang="zh-CN" altLang="en-US" smtClean="0"/>
-              <a:t>2017/9/4</a:t>
+              <a:t>2017/9/5</a:t>
             </a:fld>
             <a:endParaRPr kumimoji="1" lang="zh-CN" altLang="en-US"/>
           </a:p>
@@ -1767,7 +1768,23 @@
             </a:r>
             <a:r>
               <a:rPr kumimoji="1" lang="en-US" altLang="zh-CN" dirty="0" smtClean="0"/>
-              <a:t>  runtime/code design</a:t>
+              <a:t>  </a:t>
+            </a:r>
+            <a:r>
+              <a:rPr kumimoji="1" lang="en-US" altLang="zh-CN" dirty="0" smtClean="0"/>
+              <a:t>runtime</a:t>
+            </a:r>
+            <a:r>
+              <a:rPr kumimoji="1" lang="zh-CN" altLang="en-US" dirty="0" smtClean="0"/>
+              <a:t>  </a:t>
+            </a:r>
+            <a:r>
+              <a:rPr kumimoji="1" lang="en-US" altLang="zh-CN" dirty="0" smtClean="0"/>
+              <a:t>code </a:t>
+            </a:r>
+            <a:r>
+              <a:rPr kumimoji="1" lang="en-US" altLang="zh-CN" dirty="0" smtClean="0"/>
+              <a:t>design</a:t>
             </a:r>
             <a:endParaRPr kumimoji="1" lang="zh-CN" altLang="en-US" dirty="0"/>
           </a:p>
@@ -1849,8 +1866,8 @@
           <a:lstStyle/>
           <a:p>
             <a:r>
-              <a:rPr kumimoji="1" lang="en-US" altLang="zh-CN" dirty="0" err="1"/>
-              <a:t>RtunTime</a:t>
+              <a:rPr kumimoji="1" lang="en-US" altLang="zh-CN" smtClean="0"/>
+              <a:t>RunTime</a:t>
             </a:r>
             <a:endParaRPr kumimoji="1" lang="zh-CN" altLang="en-US" dirty="0"/>
           </a:p>
@@ -2132,8 +2149,20 @@
               <a:t>runtime</a:t>
             </a:r>
             <a:r>
+              <a:rPr kumimoji="1" lang="zh-CN" altLang="en-US" dirty="0" smtClean="0"/>
+              <a:t>我</a:t>
+            </a:r>
+            <a:r>
+              <a:rPr kumimoji="1" lang="zh-CN" altLang="en-US" dirty="0" smtClean="0"/>
+              <a:t>们</a:t>
+            </a:r>
+            <a:r>
+              <a:rPr kumimoji="1" lang="zh-CN" altLang="en-US" dirty="0" smtClean="0"/>
+              <a:t>的</a:t>
+            </a:r>
+            <a:r>
               <a:rPr kumimoji="1" lang="zh-CN" altLang="en-US" dirty="0"/>
-              <a:t>我的做了什么？</a:t>
+              <a:t>做了什么？</a:t>
             </a:r>
           </a:p>
         </p:txBody>
@@ -2245,6 +2274,93 @@
           <a:lstStyle/>
           <a:p>
             <a:r>
+              <a:rPr kumimoji="1" lang="en-US" altLang="zh-CN" dirty="0" smtClean="0"/>
+              <a:t>JS-OC</a:t>
+            </a:r>
+            <a:r>
+              <a:rPr kumimoji="1" lang="zh-CN" altLang="en-US" dirty="0" smtClean="0"/>
+              <a:t>实现方案</a:t>
+            </a:r>
+            <a:endParaRPr kumimoji="1" lang="zh-CN" altLang="en-US" dirty="0"/>
+          </a:p>
+        </p:txBody>
+      </p:sp>
+      <p:pic>
+        <p:nvPicPr>
+          <p:cNvPr id="4" name="图片 3"/>
+          <p:cNvPicPr>
+            <a:picLocks noChangeAspect="1"/>
+          </p:cNvPicPr>
+          <p:nvPr/>
+        </p:nvPicPr>
+        <p:blipFill>
+          <a:blip r:embed="rId2">
+            <a:extLst>
+              <a:ext uri="{28A0092B-C50C-407E-A947-70E740481C1C}">
+                <a14:useLocalDpi xmlns:a14="http://schemas.microsoft.com/office/drawing/2010/main" val="0"/>
+              </a:ext>
+            </a:extLst>
+          </a:blip>
+          <a:stretch>
+            <a:fillRect/>
+          </a:stretch>
+        </p:blipFill>
+        <p:spPr>
+          <a:xfrm>
+            <a:off x="1534100" y="1353786"/>
+            <a:ext cx="6121520" cy="5117501"/>
+          </a:xfrm>
+          <a:prstGeom prst="rect">
+            <a:avLst/>
+          </a:prstGeom>
+        </p:spPr>
+      </p:pic>
+    </p:spTree>
+    <p:extLst>
+      <p:ext uri="{BB962C8B-B14F-4D97-AF65-F5344CB8AC3E}">
+        <p14:creationId xmlns:p14="http://schemas.microsoft.com/office/powerpoint/2010/main" val="1661091780"/>
+      </p:ext>
+    </p:extLst>
+  </p:cSld>
+  <p:clrMapOvr>
+    <a:masterClrMapping/>
+  </p:clrMapOvr>
+</p:sld>
+</file>
+
+<file path=ppt/slides/slide14.xml><?xml version="1.0" encoding="utf-8"?>
+<p:sld xmlns:a="http://schemas.openxmlformats.org/drawingml/2006/main" xmlns:r="http://schemas.openxmlformats.org/officeDocument/2006/relationships" xmlns:p="http://schemas.openxmlformats.org/presentationml/2006/main">
+  <p:cSld>
+    <p:spTree>
+      <p:nvGrpSpPr>
+        <p:cNvPr id="1" name=""/>
+        <p:cNvGrpSpPr/>
+        <p:nvPr/>
+      </p:nvGrpSpPr>
+      <p:grpSpPr>
+        <a:xfrm>
+          <a:off x="0" y="0"/>
+          <a:ext cx="0" cy="0"/>
+          <a:chOff x="0" y="0"/>
+          <a:chExt cx="0" cy="0"/>
+        </a:xfrm>
+      </p:grpSpPr>
+      <p:sp>
+        <p:nvSpPr>
+          <p:cNvPr id="2" name="标题 1"/>
+          <p:cNvSpPr>
+            <a:spLocks noGrp="1"/>
+          </p:cNvSpPr>
+          <p:nvPr>
+            <p:ph type="title"/>
+          </p:nvPr>
+        </p:nvSpPr>
+        <p:spPr/>
+        <p:txBody>
+          <a:bodyPr/>
+          <a:lstStyle/>
+          <a:p>
+            <a:r>
               <a:rPr kumimoji="1" lang="en-US" altLang="zh-CN" dirty="0"/>
               <a:t>code</a:t>
             </a:r>
@@ -2334,7 +2450,7 @@
 </p:sld>
 </file>
 
-<file path=ppt/slides/slide14.xml><?xml version="1.0" encoding="utf-8"?>
+<file path=ppt/slides/slide15.xml><?xml version="1.0" encoding="utf-8"?>
 <p:sld xmlns:a="http://schemas.openxmlformats.org/drawingml/2006/main" xmlns:r="http://schemas.openxmlformats.org/officeDocument/2006/relationships" xmlns:p="http://schemas.openxmlformats.org/presentationml/2006/main">
   <p:cSld>
     <p:spTree>
@@ -2577,7 +2693,7 @@
 </p:sld>
 </file>
 
-<file path=ppt/slides/slide15.xml><?xml version="1.0" encoding="utf-8"?>
+<file path=ppt/slides/slide16.xml><?xml version="1.0" encoding="utf-8"?>
 <p:sld xmlns:a="http://schemas.openxmlformats.org/drawingml/2006/main" xmlns:r="http://schemas.openxmlformats.org/officeDocument/2006/relationships" xmlns:p="http://schemas.openxmlformats.org/presentationml/2006/main">
   <p:cSld>
     <p:spTree>
@@ -2950,8 +3066,13 @@
           <a:p>
             <a:r>
               <a:rPr kumimoji="1" lang="zh-CN" altLang="en-US" dirty="0"/>
-              <a:t>互相借鉴的</a:t>
-            </a:r>
+              <a:t>互相</a:t>
+            </a:r>
+            <a:r>
+              <a:rPr kumimoji="1" lang="zh-CN" altLang="en-US" dirty="0" smtClean="0"/>
+              <a:t>借鉴</a:t>
+            </a:r>
+            <a:endParaRPr kumimoji="1" lang="zh-CN" altLang="en-US" dirty="0"/>
           </a:p>
         </p:txBody>
       </p:sp>
